--- a/slides/lec09_AI.pptx
+++ b/slides/lec09_AI.pptx
@@ -5,7 +5,7 @@
     <p:sldMasterId id="2147483660" r:id="rId1"/>
   </p:sldMasterIdLst>
   <p:notesMasterIdLst>
-    <p:notesMasterId r:id="rId9"/>
+    <p:notesMasterId r:id="rId13"/>
   </p:notesMasterIdLst>
   <p:sldIdLst>
     <p:sldId id="256" r:id="rId2"/>
@@ -14,7 +14,11 @@
     <p:sldId id="385" r:id="rId5"/>
     <p:sldId id="386" r:id="rId6"/>
     <p:sldId id="387" r:id="rId7"/>
-    <p:sldId id="319" r:id="rId8"/>
+    <p:sldId id="389" r:id="rId8"/>
+    <p:sldId id="390" r:id="rId9"/>
+    <p:sldId id="391" r:id="rId10"/>
+    <p:sldId id="392" r:id="rId11"/>
+    <p:sldId id="319" r:id="rId12"/>
   </p:sldIdLst>
   <p:sldSz cx="9144000" cy="6858000" type="screen4x3"/>
   <p:notesSz cx="6858000" cy="9144000"/>
@@ -217,7 +221,7 @@
           <a:p>
             <a:fld id="{26C21ED3-A5B8-0F43-BEC8-3BB1C1D7A737}" type="datetimeFigureOut">
               <a:rPr lang="en-US" smtClean="0"/>
-              <a:t>11/7/19</a:t>
+              <a:t>11/14/19</a:t>
             </a:fld>
             <a:endParaRPr lang="en-US"/>
           </a:p>
@@ -700,7 +704,7 @@
           <a:p>
             <a:fld id="{ECF56177-CEF1-0141-836F-3867E7E9C1D8}" type="datetime1">
               <a:rPr lang="en-US" smtClean="0"/>
-              <a:t>11/7/19</a:t>
+              <a:t>11/14/19</a:t>
             </a:fld>
             <a:endParaRPr lang="en-US"/>
           </a:p>
@@ -870,7 +874,7 @@
           <a:p>
             <a:fld id="{4CDC8FB9-92E9-4C40-A76A-6D1CDAB665BB}" type="datetime1">
               <a:rPr lang="en-US" smtClean="0"/>
-              <a:t>11/7/19</a:t>
+              <a:t>11/14/19</a:t>
             </a:fld>
             <a:endParaRPr lang="en-US"/>
           </a:p>
@@ -1050,7 +1054,7 @@
           <a:p>
             <a:fld id="{F8F03505-CCE7-CA4C-B4F1-35193B6B5156}" type="datetime1">
               <a:rPr lang="en-US" smtClean="0"/>
-              <a:t>11/7/19</a:t>
+              <a:t>11/14/19</a:t>
             </a:fld>
             <a:endParaRPr lang="en-US"/>
           </a:p>
@@ -1220,7 +1224,7 @@
           <a:p>
             <a:fld id="{A02E57FB-CD21-0942-A714-152EC4568E9D}" type="datetime1">
               <a:rPr lang="en-US" smtClean="0"/>
-              <a:t>11/7/19</a:t>
+              <a:t>11/14/19</a:t>
             </a:fld>
             <a:endParaRPr lang="en-US"/>
           </a:p>
@@ -1464,7 +1468,7 @@
           <a:p>
             <a:fld id="{77AD2927-A654-D74D-A6C0-BF96EF7229C7}" type="datetime1">
               <a:rPr lang="en-US" smtClean="0"/>
-              <a:t>11/7/19</a:t>
+              <a:t>11/14/19</a:t>
             </a:fld>
             <a:endParaRPr lang="en-US"/>
           </a:p>
@@ -1696,7 +1700,7 @@
           <a:p>
             <a:fld id="{37B554B6-7788-2348-9289-7CAD598A9555}" type="datetime1">
               <a:rPr lang="en-US" smtClean="0"/>
-              <a:t>11/7/19</a:t>
+              <a:t>11/14/19</a:t>
             </a:fld>
             <a:endParaRPr lang="en-US"/>
           </a:p>
@@ -2063,7 +2067,7 @@
           <a:p>
             <a:fld id="{CCE331CB-FA13-3243-AD80-8733E43C7C1F}" type="datetime1">
               <a:rPr lang="en-US" smtClean="0"/>
-              <a:t>11/7/19</a:t>
+              <a:t>11/14/19</a:t>
             </a:fld>
             <a:endParaRPr lang="en-US"/>
           </a:p>
@@ -2181,7 +2185,7 @@
           <a:p>
             <a:fld id="{C0172A9A-4F1F-854A-9B1E-96AFCC4A9B03}" type="datetime1">
               <a:rPr lang="en-US" smtClean="0"/>
-              <a:t>11/7/19</a:t>
+              <a:t>11/14/19</a:t>
             </a:fld>
             <a:endParaRPr lang="en-US"/>
           </a:p>
@@ -2276,7 +2280,7 @@
           <a:p>
             <a:fld id="{2D504595-1B90-0F4A-A1D0-6609637EC4CD}" type="datetime1">
               <a:rPr lang="en-US" smtClean="0"/>
-              <a:t>11/7/19</a:t>
+              <a:t>11/14/19</a:t>
             </a:fld>
             <a:endParaRPr lang="en-US"/>
           </a:p>
@@ -2553,7 +2557,7 @@
           <a:p>
             <a:fld id="{F48EB26F-796F-BD4B-9EC5-A039FE9C305B}" type="datetime1">
               <a:rPr lang="en-US" smtClean="0"/>
-              <a:t>11/7/19</a:t>
+              <a:t>11/14/19</a:t>
             </a:fld>
             <a:endParaRPr lang="en-US"/>
           </a:p>
@@ -2810,7 +2814,7 @@
           <a:p>
             <a:fld id="{CDC2C28A-C946-0143-970B-84B8FE5654F4}" type="datetime1">
               <a:rPr lang="en-US" smtClean="0"/>
-              <a:t>11/7/19</a:t>
+              <a:t>11/14/19</a:t>
             </a:fld>
             <a:endParaRPr lang="en-US"/>
           </a:p>
@@ -3023,7 +3027,7 @@
           <a:p>
             <a:fld id="{A831EFE4-169C-9248-BC74-4797ECDAE130}" type="datetime1">
               <a:rPr lang="en-US" smtClean="0"/>
-              <a:t>11/7/19</a:t>
+              <a:t>11/14/19</a:t>
             </a:fld>
             <a:endParaRPr lang="en-US"/>
           </a:p>
@@ -3818,6 +3822,300 @@
 </p:sld>
 </file>
 
+<file path=ppt/slides/slide10.xml><?xml version="1.0" encoding="utf-8"?>
+<p:sld xmlns:a="http://schemas.openxmlformats.org/drawingml/2006/main" xmlns:r="http://schemas.openxmlformats.org/officeDocument/2006/relationships" xmlns:p="http://schemas.openxmlformats.org/presentationml/2006/main">
+  <p:cSld>
+    <p:spTree>
+      <p:nvGrpSpPr>
+        <p:cNvPr id="1" name=""/>
+        <p:cNvGrpSpPr/>
+        <p:nvPr/>
+      </p:nvGrpSpPr>
+      <p:grpSpPr>
+        <a:xfrm>
+          <a:off x="0" y="0"/>
+          <a:ext cx="0" cy="0"/>
+          <a:chOff x="0" y="0"/>
+          <a:chExt cx="0" cy="0"/>
+        </a:xfrm>
+      </p:grpSpPr>
+      <p:sp>
+        <p:nvSpPr>
+          <p:cNvPr id="2" name="Title 1"/>
+          <p:cNvSpPr>
+            <a:spLocks noGrp="1"/>
+          </p:cNvSpPr>
+          <p:nvPr>
+            <p:ph type="title"/>
+          </p:nvPr>
+        </p:nvSpPr>
+        <p:spPr/>
+        <p:txBody>
+          <a:bodyPr/>
+          <a:lstStyle/>
+          <a:p>
+            <a:r>
+              <a:rPr lang="en-US" dirty="0" smtClean="0"/>
+              <a:t>Discussion</a:t>
+            </a:r>
+            <a:endParaRPr lang="en-US" dirty="0"/>
+          </a:p>
+        </p:txBody>
+      </p:sp>
+      <p:sp>
+        <p:nvSpPr>
+          <p:cNvPr id="3" name="Content Placeholder 2"/>
+          <p:cNvSpPr>
+            <a:spLocks noGrp="1"/>
+          </p:cNvSpPr>
+          <p:nvPr>
+            <p:ph idx="1"/>
+          </p:nvPr>
+        </p:nvSpPr>
+        <p:spPr/>
+        <p:txBody>
+          <a:bodyPr/>
+          <a:lstStyle/>
+          <a:p>
+            <a:r>
+              <a:rPr lang="en-US" dirty="0"/>
+              <a:t>How to compare the two papers, i.e., their pros and cons?</a:t>
+            </a:r>
+          </a:p>
+          <a:p>
+            <a:endParaRPr lang="en-US" dirty="0"/>
+          </a:p>
+          <a:p>
+            <a:r>
+              <a:rPr lang="en-US" dirty="0" smtClean="0"/>
+              <a:t>Do you </a:t>
+            </a:r>
+            <a:r>
+              <a:rPr lang="en-US" smtClean="0"/>
+              <a:t>think if the papers are solving the right problems</a:t>
+            </a:r>
+            <a:r>
+              <a:rPr lang="en-US" smtClean="0"/>
+              <a:t>?</a:t>
+            </a:r>
+            <a:endParaRPr lang="en-US" dirty="0" smtClean="0"/>
+          </a:p>
+        </p:txBody>
+      </p:sp>
+      <p:sp>
+        <p:nvSpPr>
+          <p:cNvPr id="4" name="Slide Number Placeholder 3"/>
+          <p:cNvSpPr>
+            <a:spLocks noGrp="1"/>
+          </p:cNvSpPr>
+          <p:nvPr>
+            <p:ph type="sldNum" sz="quarter" idx="12"/>
+          </p:nvPr>
+        </p:nvSpPr>
+        <p:spPr/>
+        <p:txBody>
+          <a:bodyPr/>
+          <a:lstStyle/>
+          <a:p>
+            <a:fld id="{1C91BF9F-A6D6-9C44-9AC2-A799D1CC7BF8}" type="slidenum">
+              <a:rPr lang="en-US" smtClean="0"/>
+              <a:t>10</a:t>
+            </a:fld>
+            <a:endParaRPr lang="en-US"/>
+          </a:p>
+        </p:txBody>
+      </p:sp>
+    </p:spTree>
+    <p:extLst>
+      <p:ext uri="{BB962C8B-B14F-4D97-AF65-F5344CB8AC3E}">
+        <p14:creationId xmlns:p14="http://schemas.microsoft.com/office/powerpoint/2010/main" val="1595686204"/>
+      </p:ext>
+    </p:extLst>
+  </p:cSld>
+  <p:clrMapOvr>
+    <a:masterClrMapping/>
+  </p:clrMapOvr>
+  <p:timing>
+    <p:tnLst>
+      <p:par>
+        <p:cTn id="1" dur="indefinite" restart="never" nodeType="tmRoot">
+          <p:childTnLst>
+            <p:seq concurrent="1" nextAc="seek">
+              <p:cTn id="2" dur="indefinite" nodeType="mainSeq">
+                <p:childTnLst>
+                  <p:par>
+                    <p:cTn id="3" fill="hold">
+                      <p:stCondLst>
+                        <p:cond delay="indefinite"/>
+                      </p:stCondLst>
+                      <p:childTnLst>
+                        <p:par>
+                          <p:cTn id="4" fill="hold">
+                            <p:stCondLst>
+                              <p:cond delay="0"/>
+                            </p:stCondLst>
+                            <p:childTnLst>
+                              <p:par>
+                                <p:cTn id="5" presetID="1" presetClass="entr" presetSubtype="0" fill="hold" grpId="0" nodeType="clickEffect">
+                                  <p:stCondLst>
+                                    <p:cond delay="0"/>
+                                  </p:stCondLst>
+                                  <p:childTnLst>
+                                    <p:set>
+                                      <p:cBhvr>
+                                        <p:cTn id="6" dur="1" fill="hold">
+                                          <p:stCondLst>
+                                            <p:cond delay="0"/>
+                                          </p:stCondLst>
+                                        </p:cTn>
+                                        <p:tgtEl>
+                                          <p:spTgt spid="3">
+                                            <p:txEl>
+                                              <p:pRg st="2" end="2"/>
+                                            </p:txEl>
+                                          </p:spTgt>
+                                        </p:tgtEl>
+                                        <p:attrNameLst>
+                                          <p:attrName>style.visibility</p:attrName>
+                                        </p:attrNameLst>
+                                      </p:cBhvr>
+                                      <p:to>
+                                        <p:strVal val="visible"/>
+                                      </p:to>
+                                    </p:set>
+                                  </p:childTnLst>
+                                </p:cTn>
+                              </p:par>
+                            </p:childTnLst>
+                          </p:cTn>
+                        </p:par>
+                      </p:childTnLst>
+                    </p:cTn>
+                  </p:par>
+                </p:childTnLst>
+              </p:cTn>
+              <p:prevCondLst>
+                <p:cond evt="onPrev" delay="0">
+                  <p:tgtEl>
+                    <p:sldTgt/>
+                  </p:tgtEl>
+                </p:cond>
+              </p:prevCondLst>
+              <p:nextCondLst>
+                <p:cond evt="onNext" delay="0">
+                  <p:tgtEl>
+                    <p:sldTgt/>
+                  </p:tgtEl>
+                </p:cond>
+              </p:nextCondLst>
+            </p:seq>
+          </p:childTnLst>
+        </p:cTn>
+      </p:par>
+    </p:tnLst>
+    <p:bldLst>
+      <p:bldP spid="3" grpId="0" build="p"/>
+    </p:bldLst>
+  </p:timing>
+</p:sld>
+</file>
+
+<file path=ppt/slides/slide11.xml><?xml version="1.0" encoding="utf-8"?>
+<p:sld xmlns:a="http://schemas.openxmlformats.org/drawingml/2006/main" xmlns:r="http://schemas.openxmlformats.org/officeDocument/2006/relationships" xmlns:p="http://schemas.openxmlformats.org/presentationml/2006/main">
+  <p:cSld>
+    <p:spTree>
+      <p:nvGrpSpPr>
+        <p:cNvPr id="1" name=""/>
+        <p:cNvGrpSpPr/>
+        <p:nvPr/>
+      </p:nvGrpSpPr>
+      <p:grpSpPr>
+        <a:xfrm>
+          <a:off x="0" y="0"/>
+          <a:ext cx="0" cy="0"/>
+          <a:chOff x="0" y="0"/>
+          <a:chExt cx="0" cy="0"/>
+        </a:xfrm>
+      </p:grpSpPr>
+      <p:sp>
+        <p:nvSpPr>
+          <p:cNvPr id="2" name="Title 1"/>
+          <p:cNvSpPr>
+            <a:spLocks noGrp="1"/>
+          </p:cNvSpPr>
+          <p:nvPr>
+            <p:ph type="title"/>
+          </p:nvPr>
+        </p:nvSpPr>
+        <p:spPr>
+          <a:xfrm>
+            <a:off x="628650" y="2179637"/>
+            <a:ext cx="7886700" cy="2316163"/>
+          </a:xfrm>
+        </p:spPr>
+        <p:txBody>
+          <a:bodyPr/>
+          <a:lstStyle/>
+          <a:p>
+            <a:pPr algn="ctr"/>
+            <a:r>
+              <a:rPr lang="en-US" smtClean="0"/>
+              <a:t>Thanks!</a:t>
+            </a:r>
+            <a:br>
+              <a:rPr lang="en-US" smtClean="0"/>
+            </a:br>
+            <a:r>
+              <a:rPr lang="en-US" dirty="0" smtClean="0"/>
+              <a:t>Q&amp;A</a:t>
+            </a:r>
+            <a:endParaRPr lang="en-US" dirty="0"/>
+          </a:p>
+        </p:txBody>
+      </p:sp>
+      <p:sp>
+        <p:nvSpPr>
+          <p:cNvPr id="4" name="Slide Number Placeholder 3"/>
+          <p:cNvSpPr>
+            <a:spLocks noGrp="1"/>
+          </p:cNvSpPr>
+          <p:nvPr>
+            <p:ph type="sldNum" sz="quarter" idx="12"/>
+          </p:nvPr>
+        </p:nvSpPr>
+        <p:spPr/>
+        <p:txBody>
+          <a:bodyPr/>
+          <a:lstStyle/>
+          <a:p>
+            <a:fld id="{1C91BF9F-A6D6-9C44-9AC2-A799D1CC7BF8}" type="slidenum">
+              <a:rPr lang="en-US" smtClean="0"/>
+              <a:t>11</a:t>
+            </a:fld>
+            <a:endParaRPr lang="en-US"/>
+          </a:p>
+        </p:txBody>
+      </p:sp>
+    </p:spTree>
+    <p:extLst>
+      <p:ext uri="{BB962C8B-B14F-4D97-AF65-F5344CB8AC3E}">
+        <p14:creationId xmlns:p14="http://schemas.microsoft.com/office/powerpoint/2010/main" val="1868794264"/>
+      </p:ext>
+    </p:extLst>
+  </p:cSld>
+  <p:clrMapOvr>
+    <a:masterClrMapping/>
+  </p:clrMapOvr>
+  <p:timing>
+    <p:tnLst>
+      <p:par>
+        <p:cTn id="1" dur="indefinite" restart="never" nodeType="tmRoot"/>
+      </p:par>
+    </p:tnLst>
+  </p:timing>
+</p:sld>
+</file>
+
 <file path=ppt/slides/slide2.xml><?xml version="1.0" encoding="utf-8"?>
 <p:sld xmlns:a="http://schemas.openxmlformats.org/drawingml/2006/main" xmlns:r="http://schemas.openxmlformats.org/officeDocument/2006/relationships" xmlns:p="http://schemas.openxmlformats.org/presentationml/2006/main">
   <p:cSld>
@@ -4139,7 +4437,6 @@
               <a:rPr lang="en-US" dirty="0" smtClean="0"/>
               <a:t>, SIGCOMM’19</a:t>
             </a:r>
-            <a:endParaRPr lang="en-US" dirty="0" smtClean="0"/>
           </a:p>
           <a:p>
             <a:pPr lvl="1"/>
@@ -4147,7 +4444,6 @@
               <a:rPr lang="en-US" dirty="0" smtClean="0"/>
               <a:t>Apply deep reinforcement learning to packet classification</a:t>
             </a:r>
-            <a:endParaRPr lang="en-US" dirty="0" smtClean="0"/>
           </a:p>
           <a:p>
             <a:endParaRPr lang="en-US" dirty="0"/>
@@ -4168,7 +4464,6 @@
               <a:rPr lang="en-US" dirty="0" smtClean="0"/>
               <a:t>Apply deep reinforcement learning to video streaming</a:t>
             </a:r>
-            <a:endParaRPr lang="en-US" dirty="0" smtClean="0"/>
           </a:p>
         </p:txBody>
       </p:sp>
@@ -4260,7 +4555,6 @@
               <a:rPr lang="en-US" dirty="0" smtClean="0"/>
               <a:t>Does the idea of applying deep reinforcement learning to these two problems make sense?</a:t>
             </a:r>
-            <a:endParaRPr lang="en-US" dirty="0" smtClean="0"/>
           </a:p>
         </p:txBody>
       </p:sp>
@@ -4497,7 +4791,6 @@
               <a:rPr lang="en-US" dirty="0" smtClean="0"/>
               <a:t>Aurora, ICML’19</a:t>
             </a:r>
-            <a:endParaRPr lang="en-US" dirty="0" smtClean="0"/>
           </a:p>
           <a:p>
             <a:pPr lvl="1"/>
@@ -4509,7 +4802,6 @@
               <a:rPr lang="en-US" dirty="0" smtClean="0"/>
               <a:t>congestion control</a:t>
             </a:r>
-            <a:endParaRPr lang="en-US" dirty="0" smtClean="0"/>
           </a:p>
           <a:p>
             <a:endParaRPr lang="en-US" dirty="0"/>
@@ -4519,7 +4811,6 @@
               <a:rPr lang="en-US" dirty="0" smtClean="0"/>
               <a:t>Decima, SIGCOMM’19</a:t>
             </a:r>
-            <a:endParaRPr lang="en-US" dirty="0" smtClean="0"/>
           </a:p>
           <a:p>
             <a:pPr lvl="1"/>
@@ -4623,7 +4914,6 @@
               <a:rPr lang="en-US" dirty="0" smtClean="0"/>
               <a:t>Do you think if the solutions make sense?</a:t>
             </a:r>
-            <a:endParaRPr lang="en-US" dirty="0" smtClean="0"/>
           </a:p>
         </p:txBody>
       </p:sp>
@@ -4774,7 +5064,7 @@
         </p:nvSpPr>
         <p:spPr>
           <a:xfrm>
-            <a:off x="628650" y="2179637"/>
+            <a:off x="628650" y="990600"/>
             <a:ext cx="7886700" cy="2316163"/>
           </a:xfrm>
         </p:spPr>
@@ -4784,15 +5074,28 @@
           <a:p>
             <a:pPr algn="ctr"/>
             <a:r>
-              <a:rPr lang="en-US" smtClean="0"/>
-              <a:t>Thanks!</a:t>
-            </a:r>
-            <a:br>
-              <a:rPr lang="en-US" smtClean="0"/>
-            </a:br>
-            <a:r>
-              <a:rPr lang="en-US" dirty="0" smtClean="0"/>
-              <a:t>Q&amp;A</a:t>
+              <a:rPr lang="en-US" altLang="zh-CN" dirty="0" smtClean="0"/>
+              <a:t>Now</a:t>
+            </a:r>
+            <a:r>
+              <a:rPr lang="zh-CN" altLang="en-US" dirty="0" smtClean="0"/>
+              <a:t> </a:t>
+            </a:r>
+            <a:r>
+              <a:rPr lang="en-US" altLang="zh-CN" dirty="0" smtClean="0"/>
+              <a:t>the</a:t>
+            </a:r>
+            <a:r>
+              <a:rPr lang="zh-CN" altLang="en-US" dirty="0" smtClean="0"/>
+              <a:t> </a:t>
+            </a:r>
+            <a:r>
+              <a:rPr lang="en-US" altLang="zh-CN" dirty="0" smtClean="0"/>
+              <a:t>papers</a:t>
+            </a:r>
+            <a:r>
+              <a:rPr lang="is-IS" altLang="zh-CN" dirty="0" smtClean="0"/>
+              <a:t>…</a:t>
             </a:r>
             <a:endParaRPr lang="en-US" dirty="0"/>
           </a:p>
@@ -4821,10 +5124,436 @@
           </a:p>
         </p:txBody>
       </p:sp>
+      <p:sp>
+        <p:nvSpPr>
+          <p:cNvPr id="6" name="Content Placeholder 2"/>
+          <p:cNvSpPr>
+            <a:spLocks noGrp="1"/>
+          </p:cNvSpPr>
+          <p:nvPr>
+            <p:ph idx="1"/>
+          </p:nvPr>
+        </p:nvSpPr>
+        <p:spPr>
+          <a:xfrm>
+            <a:off x="628650" y="2819399"/>
+            <a:ext cx="8058150" cy="3357563"/>
+          </a:xfrm>
+        </p:spPr>
+        <p:txBody>
+          <a:bodyPr>
+            <a:normAutofit/>
+          </a:bodyPr>
+          <a:lstStyle/>
+          <a:p>
+            <a:r>
+              <a:rPr lang="en-US" dirty="0" err="1" smtClean="0"/>
+              <a:t>ByteScheduler</a:t>
+            </a:r>
+            <a:r>
+              <a:rPr lang="en-US" dirty="0" smtClean="0"/>
+              <a:t>, SOSP’19</a:t>
+            </a:r>
+          </a:p>
+          <a:p>
+            <a:pPr lvl="1"/>
+            <a:r>
+              <a:rPr lang="en-US" dirty="0" smtClean="0"/>
+              <a:t>Schedule transfers to improve communication efficiency</a:t>
+            </a:r>
+          </a:p>
+          <a:p>
+            <a:endParaRPr lang="en-US" dirty="0"/>
+          </a:p>
+          <a:p>
+            <a:r>
+              <a:rPr lang="en-US" dirty="0" smtClean="0"/>
+              <a:t>DGC, ICLR’18</a:t>
+            </a:r>
+          </a:p>
+          <a:p>
+            <a:pPr lvl="1"/>
+            <a:r>
+              <a:rPr lang="en-US" dirty="0" smtClean="0"/>
+              <a:t>Compress </a:t>
+            </a:r>
+            <a:r>
+              <a:rPr lang="en-US" dirty="0"/>
+              <a:t>gradients to improve communication </a:t>
+            </a:r>
+            <a:r>
+              <a:rPr lang="en-US" dirty="0" smtClean="0"/>
+              <a:t>efficiency</a:t>
+            </a:r>
+            <a:endParaRPr lang="en-US" dirty="0"/>
+          </a:p>
+        </p:txBody>
+      </p:sp>
     </p:spTree>
     <p:extLst>
       <p:ext uri="{BB962C8B-B14F-4D97-AF65-F5344CB8AC3E}">
-        <p14:creationId xmlns:p14="http://schemas.microsoft.com/office/powerpoint/2010/main" val="1868794264"/>
+        <p14:creationId xmlns:p14="http://schemas.microsoft.com/office/powerpoint/2010/main" val="1292455099"/>
+      </p:ext>
+    </p:extLst>
+  </p:cSld>
+  <p:clrMapOvr>
+    <a:masterClrMapping/>
+  </p:clrMapOvr>
+  <p:timing>
+    <p:tnLst>
+      <p:par>
+        <p:cTn id="1" dur="indefinite" restart="never" nodeType="tmRoot"/>
+      </p:par>
+    </p:tnLst>
+  </p:timing>
+</p:sld>
+</file>
+
+<file path=ppt/slides/slide8.xml><?xml version="1.0" encoding="utf-8"?>
+<p:sld xmlns:a="http://schemas.openxmlformats.org/drawingml/2006/main" xmlns:r="http://schemas.openxmlformats.org/officeDocument/2006/relationships" xmlns:p="http://schemas.openxmlformats.org/presentationml/2006/main">
+  <p:cSld>
+    <p:spTree>
+      <p:nvGrpSpPr>
+        <p:cNvPr id="1" name=""/>
+        <p:cNvGrpSpPr/>
+        <p:nvPr/>
+      </p:nvGrpSpPr>
+      <p:grpSpPr>
+        <a:xfrm>
+          <a:off x="0" y="0"/>
+          <a:ext cx="0" cy="0"/>
+          <a:chOff x="0" y="0"/>
+          <a:chExt cx="0" cy="0"/>
+        </a:xfrm>
+      </p:grpSpPr>
+      <p:sp>
+        <p:nvSpPr>
+          <p:cNvPr id="2" name="Title 1"/>
+          <p:cNvSpPr>
+            <a:spLocks noGrp="1"/>
+          </p:cNvSpPr>
+          <p:nvPr>
+            <p:ph type="title"/>
+          </p:nvPr>
+        </p:nvSpPr>
+        <p:spPr/>
+        <p:txBody>
+          <a:bodyPr/>
+          <a:lstStyle/>
+          <a:p>
+            <a:r>
+              <a:rPr lang="en-US" dirty="0" smtClean="0"/>
+              <a:t>Discussion</a:t>
+            </a:r>
+            <a:endParaRPr lang="en-US" dirty="0"/>
+          </a:p>
+        </p:txBody>
+      </p:sp>
+      <p:sp>
+        <p:nvSpPr>
+          <p:cNvPr id="3" name="Content Placeholder 2"/>
+          <p:cNvSpPr>
+            <a:spLocks noGrp="1"/>
+          </p:cNvSpPr>
+          <p:nvPr>
+            <p:ph idx="1"/>
+          </p:nvPr>
+        </p:nvSpPr>
+        <p:spPr/>
+        <p:txBody>
+          <a:bodyPr/>
+          <a:lstStyle/>
+          <a:p>
+            <a:r>
+              <a:rPr lang="en-US" dirty="0"/>
+              <a:t>How to compare the two papers, i.e., their pros and cons?</a:t>
+            </a:r>
+          </a:p>
+          <a:p>
+            <a:endParaRPr lang="en-US" dirty="0"/>
+          </a:p>
+          <a:p>
+            <a:r>
+              <a:rPr lang="en-US" dirty="0" smtClean="0"/>
+              <a:t>Do you think if the solutions are useful to improve communication efficiency?</a:t>
+            </a:r>
+          </a:p>
+        </p:txBody>
+      </p:sp>
+      <p:sp>
+        <p:nvSpPr>
+          <p:cNvPr id="4" name="Slide Number Placeholder 3"/>
+          <p:cNvSpPr>
+            <a:spLocks noGrp="1"/>
+          </p:cNvSpPr>
+          <p:nvPr>
+            <p:ph type="sldNum" sz="quarter" idx="12"/>
+          </p:nvPr>
+        </p:nvSpPr>
+        <p:spPr/>
+        <p:txBody>
+          <a:bodyPr/>
+          <a:lstStyle/>
+          <a:p>
+            <a:fld id="{1C91BF9F-A6D6-9C44-9AC2-A799D1CC7BF8}" type="slidenum">
+              <a:rPr lang="en-US" smtClean="0"/>
+              <a:t>8</a:t>
+            </a:fld>
+            <a:endParaRPr lang="en-US"/>
+          </a:p>
+        </p:txBody>
+      </p:sp>
+    </p:spTree>
+    <p:extLst>
+      <p:ext uri="{BB962C8B-B14F-4D97-AF65-F5344CB8AC3E}">
+        <p14:creationId xmlns:p14="http://schemas.microsoft.com/office/powerpoint/2010/main" val="495759488"/>
+      </p:ext>
+    </p:extLst>
+  </p:cSld>
+  <p:clrMapOvr>
+    <a:masterClrMapping/>
+  </p:clrMapOvr>
+  <p:timing>
+    <p:tnLst>
+      <p:par>
+        <p:cTn id="1" dur="indefinite" restart="never" nodeType="tmRoot">
+          <p:childTnLst>
+            <p:seq concurrent="1" nextAc="seek">
+              <p:cTn id="2" dur="indefinite" nodeType="mainSeq">
+                <p:childTnLst>
+                  <p:par>
+                    <p:cTn id="3" fill="hold">
+                      <p:stCondLst>
+                        <p:cond delay="indefinite"/>
+                      </p:stCondLst>
+                      <p:childTnLst>
+                        <p:par>
+                          <p:cTn id="4" fill="hold">
+                            <p:stCondLst>
+                              <p:cond delay="0"/>
+                            </p:stCondLst>
+                            <p:childTnLst>
+                              <p:par>
+                                <p:cTn id="5" presetID="1" presetClass="entr" presetSubtype="0" fill="hold" grpId="0" nodeType="clickEffect">
+                                  <p:stCondLst>
+                                    <p:cond delay="0"/>
+                                  </p:stCondLst>
+                                  <p:childTnLst>
+                                    <p:set>
+                                      <p:cBhvr>
+                                        <p:cTn id="6" dur="1" fill="hold">
+                                          <p:stCondLst>
+                                            <p:cond delay="0"/>
+                                          </p:stCondLst>
+                                        </p:cTn>
+                                        <p:tgtEl>
+                                          <p:spTgt spid="3">
+                                            <p:txEl>
+                                              <p:pRg st="2" end="2"/>
+                                            </p:txEl>
+                                          </p:spTgt>
+                                        </p:tgtEl>
+                                        <p:attrNameLst>
+                                          <p:attrName>style.visibility</p:attrName>
+                                        </p:attrNameLst>
+                                      </p:cBhvr>
+                                      <p:to>
+                                        <p:strVal val="visible"/>
+                                      </p:to>
+                                    </p:set>
+                                  </p:childTnLst>
+                                </p:cTn>
+                              </p:par>
+                            </p:childTnLst>
+                          </p:cTn>
+                        </p:par>
+                      </p:childTnLst>
+                    </p:cTn>
+                  </p:par>
+                </p:childTnLst>
+              </p:cTn>
+              <p:prevCondLst>
+                <p:cond evt="onPrev" delay="0">
+                  <p:tgtEl>
+                    <p:sldTgt/>
+                  </p:tgtEl>
+                </p:cond>
+              </p:prevCondLst>
+              <p:nextCondLst>
+                <p:cond evt="onNext" delay="0">
+                  <p:tgtEl>
+                    <p:sldTgt/>
+                  </p:tgtEl>
+                </p:cond>
+              </p:nextCondLst>
+            </p:seq>
+          </p:childTnLst>
+        </p:cTn>
+      </p:par>
+    </p:tnLst>
+    <p:bldLst>
+      <p:bldP spid="3" grpId="0" build="p"/>
+    </p:bldLst>
+  </p:timing>
+</p:sld>
+</file>
+
+<file path=ppt/slides/slide9.xml><?xml version="1.0" encoding="utf-8"?>
+<p:sld xmlns:a="http://schemas.openxmlformats.org/drawingml/2006/main" xmlns:r="http://schemas.openxmlformats.org/officeDocument/2006/relationships" xmlns:p="http://schemas.openxmlformats.org/presentationml/2006/main">
+  <p:cSld>
+    <p:spTree>
+      <p:nvGrpSpPr>
+        <p:cNvPr id="1" name=""/>
+        <p:cNvGrpSpPr/>
+        <p:nvPr/>
+      </p:nvGrpSpPr>
+      <p:grpSpPr>
+        <a:xfrm>
+          <a:off x="0" y="0"/>
+          <a:ext cx="0" cy="0"/>
+          <a:chOff x="0" y="0"/>
+          <a:chExt cx="0" cy="0"/>
+        </a:xfrm>
+      </p:grpSpPr>
+      <p:sp>
+        <p:nvSpPr>
+          <p:cNvPr id="2" name="Title 1"/>
+          <p:cNvSpPr>
+            <a:spLocks noGrp="1"/>
+          </p:cNvSpPr>
+          <p:nvPr>
+            <p:ph type="title"/>
+          </p:nvPr>
+        </p:nvSpPr>
+        <p:spPr>
+          <a:xfrm>
+            <a:off x="628650" y="990600"/>
+            <a:ext cx="7886700" cy="2316163"/>
+          </a:xfrm>
+        </p:spPr>
+        <p:txBody>
+          <a:bodyPr/>
+          <a:lstStyle/>
+          <a:p>
+            <a:pPr algn="ctr"/>
+            <a:r>
+              <a:rPr lang="en-US" altLang="zh-CN" dirty="0" smtClean="0"/>
+              <a:t>Now</a:t>
+            </a:r>
+            <a:r>
+              <a:rPr lang="zh-CN" altLang="en-US" dirty="0" smtClean="0"/>
+              <a:t> </a:t>
+            </a:r>
+            <a:r>
+              <a:rPr lang="en-US" altLang="zh-CN" dirty="0" smtClean="0"/>
+              <a:t>the</a:t>
+            </a:r>
+            <a:r>
+              <a:rPr lang="zh-CN" altLang="en-US" dirty="0" smtClean="0"/>
+              <a:t> </a:t>
+            </a:r>
+            <a:r>
+              <a:rPr lang="en-US" altLang="zh-CN" dirty="0" smtClean="0"/>
+              <a:t>papers</a:t>
+            </a:r>
+            <a:r>
+              <a:rPr lang="is-IS" altLang="zh-CN" dirty="0" smtClean="0"/>
+              <a:t>…</a:t>
+            </a:r>
+            <a:endParaRPr lang="en-US" dirty="0"/>
+          </a:p>
+        </p:txBody>
+      </p:sp>
+      <p:sp>
+        <p:nvSpPr>
+          <p:cNvPr id="4" name="Slide Number Placeholder 3"/>
+          <p:cNvSpPr>
+            <a:spLocks noGrp="1"/>
+          </p:cNvSpPr>
+          <p:nvPr>
+            <p:ph type="sldNum" sz="quarter" idx="12"/>
+          </p:nvPr>
+        </p:nvSpPr>
+        <p:spPr/>
+        <p:txBody>
+          <a:bodyPr/>
+          <a:lstStyle/>
+          <a:p>
+            <a:fld id="{1C91BF9F-A6D6-9C44-9AC2-A799D1CC7BF8}" type="slidenum">
+              <a:rPr lang="en-US" smtClean="0"/>
+              <a:t>9</a:t>
+            </a:fld>
+            <a:endParaRPr lang="en-US"/>
+          </a:p>
+        </p:txBody>
+      </p:sp>
+      <p:sp>
+        <p:nvSpPr>
+          <p:cNvPr id="6" name="Content Placeholder 2"/>
+          <p:cNvSpPr>
+            <a:spLocks noGrp="1"/>
+          </p:cNvSpPr>
+          <p:nvPr>
+            <p:ph idx="1"/>
+          </p:nvPr>
+        </p:nvSpPr>
+        <p:spPr>
+          <a:xfrm>
+            <a:off x="628650" y="2819399"/>
+            <a:ext cx="8058150" cy="3357563"/>
+          </a:xfrm>
+        </p:spPr>
+        <p:txBody>
+          <a:bodyPr>
+            <a:normAutofit/>
+          </a:bodyPr>
+          <a:lstStyle/>
+          <a:p>
+            <a:r>
+              <a:rPr lang="en-US" dirty="0" err="1" smtClean="0"/>
+              <a:t>PipeDream</a:t>
+            </a:r>
+            <a:r>
+              <a:rPr lang="en-US" dirty="0" smtClean="0"/>
+              <a:t>, </a:t>
+            </a:r>
+            <a:r>
+              <a:rPr lang="en-US" dirty="0" smtClean="0"/>
+              <a:t>SOSP’19</a:t>
+            </a:r>
+          </a:p>
+          <a:p>
+            <a:pPr lvl="1"/>
+            <a:r>
+              <a:rPr lang="en-US" dirty="0" smtClean="0"/>
+              <a:t>Use pipeline to accelerate distributed training</a:t>
+            </a:r>
+            <a:endParaRPr lang="en-US" dirty="0" smtClean="0"/>
+          </a:p>
+          <a:p>
+            <a:endParaRPr lang="en-US" dirty="0"/>
+          </a:p>
+          <a:p>
+            <a:r>
+              <a:rPr lang="en-US" dirty="0" smtClean="0"/>
+              <a:t>Nexus, SOSP’19</a:t>
+            </a:r>
+            <a:endParaRPr lang="en-US" dirty="0" smtClean="0"/>
+          </a:p>
+          <a:p>
+            <a:pPr lvl="1"/>
+            <a:r>
+              <a:rPr lang="en-US" dirty="0" smtClean="0"/>
+              <a:t>Request scheduling for machine learning inference</a:t>
+            </a:r>
+            <a:endParaRPr lang="en-US" dirty="0"/>
+          </a:p>
+        </p:txBody>
+      </p:sp>
+    </p:spTree>
+    <p:extLst>
+      <p:ext uri="{BB962C8B-B14F-4D97-AF65-F5344CB8AC3E}">
+        <p14:creationId xmlns:p14="http://schemas.microsoft.com/office/powerpoint/2010/main" val="1186085494"/>
       </p:ext>
     </p:extLst>
   </p:cSld>
